--- a/Module 1/Project_3/Project_3 (1).pptx
+++ b/Module 1/Project_3/Project_3 (1).pptx
@@ -5,7 +5,7 @@
     <p:sldMasterId id="2147483648" r:id="rId1"/>
   </p:sldMasterIdLst>
   <p:notesMasterIdLst>
-    <p:notesMasterId r:id="rId17"/>
+    <p:notesMasterId r:id="rId18"/>
   </p:notesMasterIdLst>
   <p:sldIdLst>
     <p:sldId id="256" r:id="rId2"/>
@@ -14,32 +14,33 @@
     <p:sldId id="259" r:id="rId5"/>
     <p:sldId id="260" r:id="rId6"/>
     <p:sldId id="264" r:id="rId7"/>
-    <p:sldId id="265" r:id="rId8"/>
-    <p:sldId id="266" r:id="rId9"/>
-    <p:sldId id="267" r:id="rId10"/>
+    <p:sldId id="274" r:id="rId8"/>
+    <p:sldId id="265" r:id="rId9"/>
+    <p:sldId id="266" r:id="rId10"/>
     <p:sldId id="268" r:id="rId11"/>
-    <p:sldId id="269" r:id="rId12"/>
-    <p:sldId id="271" r:id="rId13"/>
-    <p:sldId id="272" r:id="rId14"/>
-    <p:sldId id="270" r:id="rId15"/>
-    <p:sldId id="263" r:id="rId16"/>
+    <p:sldId id="273" r:id="rId12"/>
+    <p:sldId id="269" r:id="rId13"/>
+    <p:sldId id="271" r:id="rId14"/>
+    <p:sldId id="272" r:id="rId15"/>
+    <p:sldId id="270" r:id="rId16"/>
+    <p:sldId id="263" r:id="rId17"/>
   </p:sldIdLst>
   <p:sldSz cx="9144000" cy="6858000" type="screen4x3"/>
   <p:notesSz cx="6858000" cy="9144000"/>
   <p:embeddedFontLst>
     <p:embeddedFont>
       <p:font typeface="Calibri" panose="020F0502020204030204" pitchFamily="34" charset="0"/>
-      <p:regular r:id="rId18"/>
-      <p:bold r:id="rId19"/>
-      <p:italic r:id="rId20"/>
-      <p:boldItalic r:id="rId21"/>
+      <p:regular r:id="rId19"/>
+      <p:bold r:id="rId20"/>
+      <p:italic r:id="rId21"/>
+      <p:boldItalic r:id="rId22"/>
     </p:embeddedFont>
     <p:embeddedFont>
       <p:font typeface="Candara" panose="020E0502030303020204" pitchFamily="34" charset="0"/>
-      <p:regular r:id="rId22"/>
-      <p:bold r:id="rId23"/>
-      <p:italic r:id="rId24"/>
-      <p:boldItalic r:id="rId25"/>
+      <p:regular r:id="rId23"/>
+      <p:bold r:id="rId24"/>
+      <p:italic r:id="rId25"/>
+      <p:boldItalic r:id="rId26"/>
     </p:embeddedFont>
   </p:embeddedFontLst>
   <p:defaultTextStyle>
@@ -301,7 +302,7 @@
       </p15:notesGuideLst>
     </p:ext>
     <p:ext uri="http://customooxmlschemas.google.com/">
-      <go:slidesCustomData xmlns="" xmlns:mc="http://schemas.openxmlformats.org/markup-compatibility/2006" xmlns:mv="urn:schemas-microsoft-com:mac:vml" xmlns:c="http://schemas.openxmlformats.org/drawingml/2006/chart" xmlns:dgm="http://schemas.openxmlformats.org/drawingml/2006/diagram" xmlns:o="urn:schemas-microsoft-com:office:office" xmlns:v="urn:schemas-microsoft-com:vml" xmlns:pvml="urn:schemas-microsoft-com:office:powerpoint" xmlns:com="http://schemas.openxmlformats.org/drawingml/2006/compatibility" xmlns:p14="http://schemas.microsoft.com/office/powerpoint/2010/main" xmlns:p15="http://schemas.microsoft.com/office/powerpoint/2012/main" xmlns:ahyp="http://schemas.microsoft.com/office/drawing/2018/hyperlinkcolor" xmlns:go="http://customooxmlschemas.google.com/" r:id="rId26" roundtripDataSignature="AMtx7mjWBP9f6unG6JyfCNW1QE/TR9xEGw=="/>
+      <go:slidesCustomData xmlns:go="http://customooxmlschemas.google.com/" xmlns:ahyp="http://schemas.microsoft.com/office/drawing/2018/hyperlinkcolor" xmlns:p15="http://schemas.microsoft.com/office/powerpoint/2012/main" xmlns:p14="http://schemas.microsoft.com/office/powerpoint/2010/main" xmlns:com="http://schemas.openxmlformats.org/drawingml/2006/compatibility" xmlns:pvml="urn:schemas-microsoft-com:office:powerpoint" xmlns:v="urn:schemas-microsoft-com:vml" xmlns:o="urn:schemas-microsoft-com:office:office" xmlns:dgm="http://schemas.openxmlformats.org/drawingml/2006/diagram" xmlns:c="http://schemas.openxmlformats.org/drawingml/2006/chart" xmlns:mv="urn:schemas-microsoft-com:mac:vml" xmlns:mc="http://schemas.openxmlformats.org/markup-compatibility/2006" xmlns="" r:id="rId27" roundtripDataSignature="AMtx7mjWBP9f6unG6JyfCNW1QE/TR9xEGw=="/>
     </p:ext>
   </p:extLst>
 </p:presentation>
@@ -1800,162 +1801,7 @@
             </a:pPr>
             <a:fld id="{00000000-1234-1234-1234-123412341234}" type="slidenum">
               <a:rPr lang="en-US"/>
-              <a:t>10</a:t>
-            </a:fld>
-            <a:endParaRPr/>
-          </a:p>
-        </p:txBody>
-      </p:sp>
-    </p:spTree>
-    <p:extLst>
-      <p:ext uri="{BB962C8B-B14F-4D97-AF65-F5344CB8AC3E}">
-        <p14:creationId xmlns:p14="http://schemas.microsoft.com/office/powerpoint/2010/main" val="2666882026"/>
-      </p:ext>
-    </p:extLst>
-  </p:cSld>
-  <p:clrMapOvr>
-    <a:masterClrMapping/>
-  </p:clrMapOvr>
-</p:notes>
-</file>
-
-<file path=ppt/notesSlides/notesSlide11.xml><?xml version="1.0" encoding="utf-8"?>
-<p:notes xmlns:a="http://schemas.openxmlformats.org/drawingml/2006/main" xmlns:r="http://schemas.openxmlformats.org/officeDocument/2006/relationships" xmlns:p="http://schemas.openxmlformats.org/presentationml/2006/main" showMasterSp="0" showMasterPhAnim="0">
-  <p:cSld>
-    <p:spTree>
-      <p:nvGrpSpPr>
-        <p:cNvPr id="1" name="Shape 165"/>
-        <p:cNvGrpSpPr/>
-        <p:nvPr/>
-      </p:nvGrpSpPr>
-      <p:grpSpPr>
-        <a:xfrm>
-          <a:off x="0" y="0"/>
-          <a:ext cx="0" cy="0"/>
-          <a:chOff x="0" y="0"/>
-          <a:chExt cx="0" cy="0"/>
-        </a:xfrm>
-      </p:grpSpPr>
-      <p:sp>
-        <p:nvSpPr>
-          <p:cNvPr id="166" name="Google Shape;166;g117506ff3c2_0_0:notes"/>
-          <p:cNvSpPr>
-            <a:spLocks noGrp="1" noRot="1" noChangeAspect="1"/>
-          </p:cNvSpPr>
-          <p:nvPr>
-            <p:ph type="sldImg" idx="2"/>
-          </p:nvPr>
-        </p:nvSpPr>
-        <p:spPr>
-          <a:xfrm>
-            <a:off x="1143000" y="685800"/>
-            <a:ext cx="4572000" cy="3429000"/>
-          </a:xfrm>
-          <a:custGeom>
-            <a:avLst/>
-            <a:gdLst/>
-            <a:ahLst/>
-            <a:cxnLst/>
-            <a:rect l="l" t="t" r="r" b="b"/>
-            <a:pathLst>
-              <a:path w="120000" h="120000" extrusionOk="0">
-                <a:moveTo>
-                  <a:pt x="0" y="0"/>
-                </a:moveTo>
-                <a:lnTo>
-                  <a:pt x="120000" y="0"/>
-                </a:lnTo>
-                <a:lnTo>
-                  <a:pt x="120000" y="120000"/>
-                </a:lnTo>
-                <a:lnTo>
-                  <a:pt x="0" y="120000"/>
-                </a:lnTo>
-                <a:close/>
-              </a:path>
-            </a:pathLst>
-          </a:custGeom>
-        </p:spPr>
-      </p:sp>
-      <p:sp>
-        <p:nvSpPr>
-          <p:cNvPr id="167" name="Google Shape;167;g117506ff3c2_0_0:notes"/>
-          <p:cNvSpPr txBox="1">
-            <a:spLocks noGrp="1"/>
-          </p:cNvSpPr>
-          <p:nvPr>
-            <p:ph type="body" idx="1"/>
-          </p:nvPr>
-        </p:nvSpPr>
-        <p:spPr>
-          <a:xfrm>
-            <a:off x="685800" y="4343400"/>
-            <a:ext cx="5486400" cy="4114800"/>
-          </a:xfrm>
-          <a:prstGeom prst="rect">
-            <a:avLst/>
-          </a:prstGeom>
-        </p:spPr>
-        <p:txBody>
-          <a:bodyPr spcFirstLastPara="1" wrap="square" lIns="91425" tIns="45700" rIns="91425" bIns="45700" anchor="t" anchorCtr="0">
-            <a:noAutofit/>
-          </a:bodyPr>
-          <a:lstStyle/>
-          <a:p>
-            <a:pPr marL="0" lvl="0" indent="0" algn="l" rtl="0">
-              <a:spcBef>
-                <a:spcPts val="0"/>
-              </a:spcBef>
-              <a:spcAft>
-                <a:spcPts val="0"/>
-              </a:spcAft>
-              <a:buNone/>
-            </a:pPr>
-            <a:endParaRPr/>
-          </a:p>
-        </p:txBody>
-      </p:sp>
-      <p:sp>
-        <p:nvSpPr>
-          <p:cNvPr id="168" name="Google Shape;168;g117506ff3c2_0_0:notes"/>
-          <p:cNvSpPr txBox="1">
-            <a:spLocks noGrp="1"/>
-          </p:cNvSpPr>
-          <p:nvPr>
-            <p:ph type="sldNum" idx="12"/>
-          </p:nvPr>
-        </p:nvSpPr>
-        <p:spPr>
-          <a:xfrm>
-            <a:off x="3884613" y="8685213"/>
-            <a:ext cx="2971800" cy="457200"/>
-          </a:xfrm>
-          <a:prstGeom prst="rect">
-            <a:avLst/>
-          </a:prstGeom>
-        </p:spPr>
-        <p:txBody>
-          <a:bodyPr spcFirstLastPara="1" wrap="square" lIns="91425" tIns="45700" rIns="91425" bIns="45700" anchor="b" anchorCtr="0">
-            <a:noAutofit/>
-          </a:bodyPr>
-          <a:lstStyle/>
-          <a:p>
-            <a:pPr marL="0" lvl="0" indent="0" algn="r" rtl="0">
-              <a:spcBef>
-                <a:spcPts val="0"/>
-              </a:spcBef>
-              <a:spcAft>
-                <a:spcPts val="0"/>
-              </a:spcAft>
-              <a:buClr>
-                <a:srgbClr val="000000"/>
-              </a:buClr>
-              <a:buFont typeface="Arial"/>
-              <a:buNone/>
-            </a:pPr>
-            <a:fld id="{00000000-1234-1234-1234-123412341234}" type="slidenum">
-              <a:rPr lang="en-US"/>
-              <a:t>11</a:t>
+              <a:t>12</a:t>
             </a:fld>
             <a:endParaRPr/>
           </a:p>
@@ -1974,7 +1820,7 @@
 </p:notes>
 </file>
 
-<file path=ppt/notesSlides/notesSlide12.xml><?xml version="1.0" encoding="utf-8"?>
+<file path=ppt/notesSlides/notesSlide11.xml><?xml version="1.0" encoding="utf-8"?>
 <p:notes xmlns:a="http://schemas.openxmlformats.org/drawingml/2006/main" xmlns:r="http://schemas.openxmlformats.org/officeDocument/2006/relationships" xmlns:p="http://schemas.openxmlformats.org/presentationml/2006/main" showMasterSp="0" showMasterPhAnim="0">
   <p:cSld>
     <p:spTree>
@@ -2124,7 +1970,7 @@
             </a:pPr>
             <a:fld id="{00000000-1234-1234-1234-123412341234}" type="slidenum">
               <a:rPr lang="en-US"/>
-              <a:t>15</a:t>
+              <a:t>16</a:t>
             </a:fld>
             <a:endParaRPr/>
           </a:p>
@@ -3071,7 +2917,7 @@
             </a:pPr>
             <a:fld id="{00000000-1234-1234-1234-123412341234}" type="slidenum">
               <a:rPr lang="en-US"/>
-              <a:t>7</a:t>
+              <a:t>8</a:t>
             </a:fld>
             <a:endParaRPr/>
           </a:p>
@@ -3226,7 +3072,7 @@
             </a:pPr>
             <a:fld id="{00000000-1234-1234-1234-123412341234}" type="slidenum">
               <a:rPr lang="en-US"/>
-              <a:t>8</a:t>
+              <a:t>9</a:t>
             </a:fld>
             <a:endParaRPr/>
           </a:p>
@@ -3381,7 +3227,7 @@
             </a:pPr>
             <a:fld id="{00000000-1234-1234-1234-123412341234}" type="slidenum">
               <a:rPr lang="en-US"/>
-              <a:t>9</a:t>
+              <a:t>10</a:t>
             </a:fld>
             <a:endParaRPr/>
           </a:p>
@@ -3390,7 +3236,7 @@
     </p:spTree>
     <p:extLst>
       <p:ext uri="{BB962C8B-B14F-4D97-AF65-F5344CB8AC3E}">
-        <p14:creationId xmlns:p14="http://schemas.microsoft.com/office/powerpoint/2010/main" val="198121550"/>
+        <p14:creationId xmlns:p14="http://schemas.microsoft.com/office/powerpoint/2010/main" val="2666882026"/>
       </p:ext>
     </p:extLst>
   </p:cSld>
@@ -21345,6 +21191,142 @@
   <p:cSld>
     <p:spTree>
       <p:nvGrpSpPr>
+        <p:cNvPr id="1" name=""/>
+        <p:cNvGrpSpPr/>
+        <p:nvPr/>
+      </p:nvGrpSpPr>
+      <p:grpSpPr>
+        <a:xfrm>
+          <a:off x="0" y="0"/>
+          <a:ext cx="0" cy="0"/>
+          <a:chOff x="0" y="0"/>
+          <a:chExt cx="0" cy="0"/>
+        </a:xfrm>
+      </p:grpSpPr>
+      <p:sp>
+        <p:nvSpPr>
+          <p:cNvPr id="2" name="Espace réservé du texte 1">
+            <a:extLst>
+              <a:ext uri="{FF2B5EF4-FFF2-40B4-BE49-F238E27FC236}">
+                <a16:creationId xmlns:a16="http://schemas.microsoft.com/office/drawing/2014/main" id="{566E5670-633D-4D11-A5F1-E08D468D97A2}"/>
+              </a:ext>
+            </a:extLst>
+          </p:cNvPr>
+          <p:cNvSpPr>
+            <a:spLocks noGrp="1"/>
+          </p:cNvSpPr>
+          <p:nvPr>
+            <p:ph type="body" idx="1"/>
+          </p:nvPr>
+        </p:nvSpPr>
+        <p:spPr>
+          <a:xfrm>
+            <a:off x="872067" y="2007909"/>
+            <a:ext cx="7408333" cy="4118254"/>
+          </a:xfrm>
+        </p:spPr>
+        <p:txBody>
+          <a:bodyPr/>
+          <a:lstStyle/>
+          <a:p>
+            <a:endParaRPr lang="fr-FR" dirty="0"/>
+          </a:p>
+        </p:txBody>
+      </p:sp>
+      <p:sp>
+        <p:nvSpPr>
+          <p:cNvPr id="3" name="Titre 2">
+            <a:extLst>
+              <a:ext uri="{FF2B5EF4-FFF2-40B4-BE49-F238E27FC236}">
+                <a16:creationId xmlns:a16="http://schemas.microsoft.com/office/drawing/2014/main" id="{BD1BE2E0-1F7A-495B-903D-642B5E73AACD}"/>
+              </a:ext>
+            </a:extLst>
+          </p:cNvPr>
+          <p:cNvSpPr>
+            <a:spLocks noGrp="1"/>
+          </p:cNvSpPr>
+          <p:nvPr>
+            <p:ph type="title"/>
+          </p:nvPr>
+        </p:nvSpPr>
+        <p:spPr/>
+        <p:txBody>
+          <a:bodyPr>
+            <a:normAutofit fontScale="90000"/>
+          </a:bodyPr>
+          <a:lstStyle/>
+          <a:p>
+            <a:r>
+              <a:rPr lang="fr-FR" dirty="0"/>
+              <a:t>20 top Total </a:t>
+            </a:r>
+            <a:r>
+              <a:rPr lang="fr-FR" dirty="0" err="1"/>
+              <a:t>yearly</a:t>
+            </a:r>
+            <a:r>
+              <a:rPr lang="fr-FR" dirty="0"/>
+              <a:t> compensation </a:t>
+            </a:r>
+            <a:r>
+              <a:rPr lang="fr-FR" dirty="0" err="1"/>
+              <a:t>companies</a:t>
+            </a:r>
+            <a:r>
+              <a:rPr lang="fr-FR" dirty="0"/>
+              <a:t> </a:t>
+            </a:r>
+          </a:p>
+        </p:txBody>
+      </p:sp>
+      <p:pic>
+        <p:nvPicPr>
+          <p:cNvPr id="11" name="Image 10">
+            <a:extLst>
+              <a:ext uri="{FF2B5EF4-FFF2-40B4-BE49-F238E27FC236}">
+                <a16:creationId xmlns:a16="http://schemas.microsoft.com/office/drawing/2014/main" id="{655CFCE2-7F04-4DC9-BC9E-0FE3D52A2BFA}"/>
+              </a:ext>
+            </a:extLst>
+          </p:cNvPr>
+          <p:cNvPicPr>
+            <a:picLocks noChangeAspect="1"/>
+          </p:cNvPicPr>
+          <p:nvPr/>
+        </p:nvPicPr>
+        <p:blipFill>
+          <a:blip r:embed="rId2"/>
+          <a:stretch>
+            <a:fillRect/>
+          </a:stretch>
+        </p:blipFill>
+        <p:spPr>
+          <a:xfrm>
+            <a:off x="1359301" y="2611225"/>
+            <a:ext cx="6425397" cy="3609206"/>
+          </a:xfrm>
+          <a:prstGeom prst="rect">
+            <a:avLst/>
+          </a:prstGeom>
+        </p:spPr>
+      </p:pic>
+    </p:spTree>
+    <p:extLst>
+      <p:ext uri="{BB962C8B-B14F-4D97-AF65-F5344CB8AC3E}">
+        <p14:creationId xmlns:p14="http://schemas.microsoft.com/office/powerpoint/2010/main" val="620420697"/>
+      </p:ext>
+    </p:extLst>
+  </p:cSld>
+  <p:clrMapOvr>
+    <a:masterClrMapping/>
+  </p:clrMapOvr>
+</p:sld>
+</file>
+
+<file path=ppt/slides/slide12.xml><?xml version="1.0" encoding="utf-8"?>
+<p:sld xmlns:a="http://schemas.openxmlformats.org/drawingml/2006/main" xmlns:r="http://schemas.openxmlformats.org/officeDocument/2006/relationships" xmlns:p="http://schemas.openxmlformats.org/presentationml/2006/main">
+  <p:cSld>
+    <p:spTree>
+      <p:nvGrpSpPr>
         <p:cNvPr id="1" name="Shape 169"/>
         <p:cNvGrpSpPr/>
         <p:nvPr/>
@@ -21495,7 +21477,7 @@
 </p:sld>
 </file>
 
-<file path=ppt/slides/slide12.xml><?xml version="1.0" encoding="utf-8"?>
+<file path=ppt/slides/slide13.xml><?xml version="1.0" encoding="utf-8"?>
 <p:sld xmlns:a="http://schemas.openxmlformats.org/drawingml/2006/main" xmlns:r="http://schemas.openxmlformats.org/officeDocument/2006/relationships" xmlns:p="http://schemas.openxmlformats.org/presentationml/2006/main">
   <p:cSld>
     <p:spTree>
@@ -21645,7 +21627,7 @@
 </p:sld>
 </file>
 
-<file path=ppt/slides/slide13.xml><?xml version="1.0" encoding="utf-8"?>
+<file path=ppt/slides/slide14.xml><?xml version="1.0" encoding="utf-8"?>
 <p:sld xmlns:a="http://schemas.openxmlformats.org/drawingml/2006/main" xmlns:r="http://schemas.openxmlformats.org/officeDocument/2006/relationships" xmlns:p="http://schemas.openxmlformats.org/presentationml/2006/main">
   <p:cSld>
     <p:spTree>
@@ -21789,7 +21771,7 @@
 </p:sld>
 </file>
 
-<file path=ppt/slides/slide14.xml><?xml version="1.0" encoding="utf-8"?>
+<file path=ppt/slides/slide15.xml><?xml version="1.0" encoding="utf-8"?>
 <p:sld xmlns:a="http://schemas.openxmlformats.org/drawingml/2006/main" xmlns:r="http://schemas.openxmlformats.org/officeDocument/2006/relationships" xmlns:p="http://schemas.openxmlformats.org/presentationml/2006/main">
   <p:cSld>
     <p:spTree>
@@ -22052,7 +22034,7 @@
 </p:sld>
 </file>
 
-<file path=ppt/slides/slide15.xml><?xml version="1.0" encoding="utf-8"?>
+<file path=ppt/slides/slide16.xml><?xml version="1.0" encoding="utf-8"?>
 <p:sld xmlns:a="http://schemas.openxmlformats.org/drawingml/2006/main" xmlns:r="http://schemas.openxmlformats.org/officeDocument/2006/relationships" xmlns:p="http://schemas.openxmlformats.org/presentationml/2006/main">
   <p:cSld>
     <p:spTree>
@@ -23469,7 +23451,7 @@
   <p:cSld>
     <p:spTree>
       <p:nvGrpSpPr>
-        <p:cNvPr id="1" name="Shape 169"/>
+        <p:cNvPr id="1" name=""/>
         <p:cNvGrpSpPr/>
         <p:nvPr/>
       </p:nvGrpSpPr>
@@ -23483,273 +23465,106 @@
       </p:grpSpPr>
       <p:sp>
         <p:nvSpPr>
-          <p:cNvPr id="170" name="Google Shape;170;g117506ff3c2_0_0"/>
-          <p:cNvSpPr txBox="1">
+          <p:cNvPr id="2" name="Espace réservé du texte 1">
+            <a:extLst>
+              <a:ext uri="{FF2B5EF4-FFF2-40B4-BE49-F238E27FC236}">
+                <a16:creationId xmlns:a16="http://schemas.microsoft.com/office/drawing/2014/main" id="{068AF127-AB1D-4160-B0C6-D655E7A70CCA}"/>
+              </a:ext>
+            </a:extLst>
+          </p:cNvPr>
+          <p:cNvSpPr>
             <a:spLocks noGrp="1"/>
           </p:cNvSpPr>
           <p:nvPr>
             <p:ph type="body" idx="1"/>
           </p:nvPr>
         </p:nvSpPr>
-        <p:spPr>
-          <a:xfrm>
-            <a:off x="457200" y="2634344"/>
-            <a:ext cx="7674429" cy="3838574"/>
-          </a:xfrm>
-          <a:prstGeom prst="rect">
-            <a:avLst/>
-          </a:prstGeom>
-        </p:spPr>
+        <p:spPr/>
         <p:txBody>
-          <a:bodyPr spcFirstLastPara="1" wrap="square" lIns="91425" tIns="45700" rIns="91425" bIns="45700" anchor="t" anchorCtr="0">
-            <a:normAutofit lnSpcReduction="10000"/>
-          </a:bodyPr>
+          <a:bodyPr/>
           <a:lstStyle/>
           <a:p>
-            <a:pPr lvl="0" algn="l" rtl="0">
-              <a:spcBef>
-                <a:spcPts val="360"/>
-              </a:spcBef>
-              <a:spcAft>
-                <a:spcPts val="0"/>
-              </a:spcAft>
-              <a:buSzPts val="1800"/>
-              <a:buFont typeface="Arial" panose="020B0604020202020204" pitchFamily="34" charset="0"/>
-              <a:buChar char="•"/>
-            </a:pPr>
-            <a:r>
-              <a:rPr lang="en-US" dirty="0"/>
-              <a:t>the 20 companies who have the most total yearly compensation</a:t>
-            </a:r>
-          </a:p>
-          <a:p>
-            <a:pPr lvl="0" algn="l" rtl="0">
-              <a:spcBef>
-                <a:spcPts val="360"/>
-              </a:spcBef>
-              <a:spcAft>
-                <a:spcPts val="0"/>
-              </a:spcAft>
-              <a:buSzPts val="1800"/>
-              <a:buFont typeface="Arial" panose="020B0604020202020204" pitchFamily="34" charset="0"/>
-              <a:buChar char="•"/>
-            </a:pPr>
-            <a:r>
-              <a:rPr lang="en-US" dirty="0"/>
-              <a:t>avg salary per title per company</a:t>
-            </a:r>
-          </a:p>
-          <a:p>
-            <a:pPr lvl="0" algn="l" rtl="0">
-              <a:spcBef>
-                <a:spcPts val="360"/>
-              </a:spcBef>
-              <a:spcAft>
-                <a:spcPts val="0"/>
-              </a:spcAft>
-              <a:buSzPts val="1800"/>
-              <a:buFont typeface="Arial" panose="020B0604020202020204" pitchFamily="34" charset="0"/>
-              <a:buChar char="•"/>
-            </a:pPr>
-            <a:r>
-              <a:rPr lang="en-US" dirty="0"/>
-              <a:t>calculate the average year of experiences and years at company of 3 chosen companies (Apple, Microsoft, Google)</a:t>
-            </a:r>
-          </a:p>
-          <a:p>
-            <a:pPr lvl="0" algn="l" rtl="0">
-              <a:spcBef>
-                <a:spcPts val="360"/>
-              </a:spcBef>
-              <a:spcAft>
-                <a:spcPts val="0"/>
-              </a:spcAft>
-              <a:buSzPts val="1800"/>
-              <a:buFont typeface="Arial" panose="020B0604020202020204" pitchFamily="34" charset="0"/>
-              <a:buChar char="•"/>
-            </a:pPr>
-            <a:r>
-              <a:rPr lang="en-US" dirty="0"/>
-              <a:t>Calculate the average compensation per gender per company out of 3 chosen companies.</a:t>
-            </a:r>
-          </a:p>
-          <a:p>
-            <a:pPr lvl="0" algn="l" rtl="0">
-              <a:spcBef>
-                <a:spcPts val="360"/>
-              </a:spcBef>
-              <a:spcAft>
-                <a:spcPts val="0"/>
-              </a:spcAft>
-              <a:buSzPts val="1800"/>
-              <a:buFont typeface="Arial" panose="020B0604020202020204" pitchFamily="34" charset="0"/>
-              <a:buChar char="•"/>
-            </a:pPr>
-            <a:r>
-              <a:rPr lang="en-US" dirty="0"/>
-              <a:t>Calculate the avg salary of Business Analyst Title in 3 chosen companies</a:t>
-            </a:r>
-          </a:p>
-          <a:p>
-            <a:pPr lvl="0" algn="l" rtl="0">
-              <a:spcBef>
-                <a:spcPts val="360"/>
-              </a:spcBef>
-              <a:spcAft>
-                <a:spcPts val="0"/>
-              </a:spcAft>
-              <a:buSzPts val="1800"/>
-              <a:buFont typeface="Arial" panose="020B0604020202020204" pitchFamily="34" charset="0"/>
-              <a:buChar char="•"/>
-            </a:pPr>
-            <a:endParaRPr lang="en-US" dirty="0"/>
-          </a:p>
-          <a:p>
-            <a:pPr lvl="0" algn="l" rtl="0">
-              <a:spcBef>
-                <a:spcPts val="360"/>
-              </a:spcBef>
-              <a:spcAft>
-                <a:spcPts val="0"/>
-              </a:spcAft>
-              <a:buSzPts val="1800"/>
-              <a:buFont typeface="Arial" panose="020B0604020202020204" pitchFamily="34" charset="0"/>
-              <a:buChar char="•"/>
-            </a:pPr>
-            <a:endParaRPr lang="en-US" dirty="0"/>
-          </a:p>
-          <a:p>
-            <a:pPr lvl="0" algn="l" rtl="0">
-              <a:spcBef>
-                <a:spcPts val="360"/>
-              </a:spcBef>
-              <a:spcAft>
-                <a:spcPts val="0"/>
-              </a:spcAft>
-              <a:buSzPts val="1800"/>
-              <a:buFont typeface="Arial" panose="020B0604020202020204" pitchFamily="34" charset="0"/>
-              <a:buChar char="•"/>
-            </a:pPr>
-            <a:endParaRPr lang="en-US" dirty="0"/>
-          </a:p>
-          <a:p>
-            <a:pPr lvl="0" algn="l" rtl="0">
-              <a:spcBef>
-                <a:spcPts val="360"/>
-              </a:spcBef>
-              <a:spcAft>
-                <a:spcPts val="0"/>
-              </a:spcAft>
-              <a:buSzPts val="1800"/>
-              <a:buFont typeface="Arial" panose="020B0604020202020204" pitchFamily="34" charset="0"/>
-              <a:buChar char="•"/>
-            </a:pPr>
-            <a:endParaRPr lang="en-US" dirty="0"/>
-          </a:p>
-          <a:p>
-            <a:pPr lvl="0" algn="l" rtl="0">
-              <a:spcBef>
-                <a:spcPts val="360"/>
-              </a:spcBef>
-              <a:spcAft>
-                <a:spcPts val="0"/>
-              </a:spcAft>
-              <a:buSzPts val="1800"/>
-              <a:buFont typeface="Arial" panose="020B0604020202020204" pitchFamily="34" charset="0"/>
-              <a:buChar char="•"/>
-            </a:pPr>
-            <a:endParaRPr lang="en-US" dirty="0"/>
-          </a:p>
-          <a:p>
-            <a:pPr lvl="0" algn="l" rtl="0">
-              <a:spcBef>
-                <a:spcPts val="360"/>
-              </a:spcBef>
-              <a:spcAft>
-                <a:spcPts val="0"/>
-              </a:spcAft>
-              <a:buSzPts val="1800"/>
-              <a:buFont typeface="Arial" panose="020B0604020202020204" pitchFamily="34" charset="0"/>
-              <a:buChar char="•"/>
-            </a:pPr>
-            <a:endParaRPr lang="en-US" dirty="0"/>
-          </a:p>
-          <a:p>
-            <a:pPr marL="114300" lvl="0" indent="0" algn="l" rtl="0">
-              <a:spcBef>
-                <a:spcPts val="0"/>
-              </a:spcBef>
-              <a:spcAft>
-                <a:spcPts val="0"/>
-              </a:spcAft>
-              <a:buSzPts val="1800"/>
-              <a:buNone/>
-            </a:pPr>
-            <a:endParaRPr dirty="0"/>
-          </a:p>
-          <a:p>
-            <a:pPr marL="0" lvl="0" indent="0" algn="l" rtl="0">
-              <a:spcBef>
-                <a:spcPts val="360"/>
-              </a:spcBef>
-              <a:spcAft>
-                <a:spcPts val="0"/>
-              </a:spcAft>
-              <a:buNone/>
-            </a:pPr>
-            <a:endParaRPr dirty="0"/>
+            <a:endParaRPr lang="fr-FR" dirty="0"/>
           </a:p>
         </p:txBody>
       </p:sp>
       <p:sp>
         <p:nvSpPr>
-          <p:cNvPr id="171" name="Google Shape;171;g117506ff3c2_0_0"/>
-          <p:cNvSpPr txBox="1">
+          <p:cNvPr id="3" name="Titre 2">
+            <a:extLst>
+              <a:ext uri="{FF2B5EF4-FFF2-40B4-BE49-F238E27FC236}">
+                <a16:creationId xmlns:a16="http://schemas.microsoft.com/office/drawing/2014/main" id="{3D3E43FF-2BA7-4F9A-ADAE-5DDE62206935}"/>
+              </a:ext>
+            </a:extLst>
+          </p:cNvPr>
+          <p:cNvSpPr>
             <a:spLocks noGrp="1"/>
           </p:cNvSpPr>
           <p:nvPr>
             <p:ph type="title"/>
           </p:nvPr>
         </p:nvSpPr>
+        <p:spPr/>
+        <p:txBody>
+          <a:bodyPr>
+            <a:normAutofit fontScale="90000"/>
+          </a:bodyPr>
+          <a:lstStyle/>
+          <a:p>
+            <a:r>
+              <a:rPr lang="fr-FR" dirty="0"/>
+              <a:t>Use </a:t>
+            </a:r>
+            <a:r>
+              <a:rPr lang="fr-FR" dirty="0" err="1"/>
+              <a:t>heatmap</a:t>
+            </a:r>
+            <a:r>
+              <a:rPr lang="fr-FR" dirty="0"/>
+              <a:t> to check the </a:t>
+            </a:r>
+            <a:r>
+              <a:rPr lang="fr-FR" dirty="0" err="1"/>
+              <a:t>correlation</a:t>
+            </a:r>
+            <a:endParaRPr lang="fr-FR" dirty="0"/>
+          </a:p>
+        </p:txBody>
+      </p:sp>
+      <p:pic>
+        <p:nvPicPr>
+          <p:cNvPr id="5" name="Image 4">
+            <a:extLst>
+              <a:ext uri="{FF2B5EF4-FFF2-40B4-BE49-F238E27FC236}">
+                <a16:creationId xmlns:a16="http://schemas.microsoft.com/office/drawing/2014/main" id="{4C394CEE-56EB-43FF-B1EB-C9E4A191E6E1}"/>
+              </a:ext>
+            </a:extLst>
+          </p:cNvPr>
+          <p:cNvPicPr>
+            <a:picLocks noChangeAspect="1"/>
+          </p:cNvPicPr>
+          <p:nvPr/>
+        </p:nvPicPr>
+        <p:blipFill>
+          <a:blip r:embed="rId2"/>
+          <a:stretch>
+            <a:fillRect/>
+          </a:stretch>
+        </p:blipFill>
         <p:spPr>
           <a:xfrm>
-            <a:off x="457200" y="338328"/>
-            <a:ext cx="8229600" cy="1252800"/>
+            <a:off x="1574277" y="2675467"/>
+            <a:ext cx="5467546" cy="3844205"/>
           </a:xfrm>
           <a:prstGeom prst="rect">
             <a:avLst/>
           </a:prstGeom>
         </p:spPr>
-        <p:txBody>
-          <a:bodyPr spcFirstLastPara="1" wrap="square" lIns="91425" tIns="45700" rIns="91425" bIns="45700" anchor="ctr" anchorCtr="0">
-            <a:normAutofit fontScale="90000"/>
-          </a:bodyPr>
-          <a:lstStyle/>
-          <a:p>
-            <a:pPr marL="0" lvl="0" indent="0" algn="ctr" rtl="0">
-              <a:spcBef>
-                <a:spcPts val="0"/>
-              </a:spcBef>
-              <a:spcAft>
-                <a:spcPts val="0"/>
-              </a:spcAft>
-              <a:buNone/>
-            </a:pPr>
-            <a:r>
-              <a:rPr lang="en-US" dirty="0"/>
-              <a:t>Working with MySQL</a:t>
-            </a:r>
-            <a:br>
-              <a:rPr lang="fr-FR" dirty="0"/>
-            </a:br>
-            <a:endParaRPr dirty="0"/>
-          </a:p>
-        </p:txBody>
-      </p:sp>
+      </p:pic>
     </p:spTree>
     <p:extLst>
       <p:ext uri="{BB962C8B-B14F-4D97-AF65-F5344CB8AC3E}">
-        <p14:creationId xmlns:p14="http://schemas.microsoft.com/office/powerpoint/2010/main" val="2691084500"/>
+        <p14:creationId xmlns:p14="http://schemas.microsoft.com/office/powerpoint/2010/main" val="1716565275"/>
       </p:ext>
     </p:extLst>
   </p:cSld>
@@ -23797,9 +23612,178 @@
         </p:spPr>
         <p:txBody>
           <a:bodyPr spcFirstLastPara="1" wrap="square" lIns="91425" tIns="45700" rIns="91425" bIns="45700" anchor="t" anchorCtr="0">
-            <a:normAutofit/>
+            <a:normAutofit lnSpcReduction="10000"/>
           </a:bodyPr>
           <a:lstStyle/>
+          <a:p>
+            <a:pPr lvl="0" algn="l" rtl="0">
+              <a:spcBef>
+                <a:spcPts val="360"/>
+              </a:spcBef>
+              <a:spcAft>
+                <a:spcPts val="0"/>
+              </a:spcAft>
+              <a:buSzPts val="1800"/>
+              <a:buFont typeface="Arial" panose="020B0604020202020204" pitchFamily="34" charset="0"/>
+              <a:buChar char="•"/>
+            </a:pPr>
+            <a:r>
+              <a:rPr lang="en-US" dirty="0"/>
+              <a:t>the 20 companies who have the most total yearly compensation</a:t>
+            </a:r>
+          </a:p>
+          <a:p>
+            <a:pPr lvl="0" algn="l" rtl="0">
+              <a:spcBef>
+                <a:spcPts val="360"/>
+              </a:spcBef>
+              <a:spcAft>
+                <a:spcPts val="0"/>
+              </a:spcAft>
+              <a:buSzPts val="1800"/>
+              <a:buFont typeface="Arial" panose="020B0604020202020204" pitchFamily="34" charset="0"/>
+              <a:buChar char="•"/>
+            </a:pPr>
+            <a:r>
+              <a:rPr lang="en-US" dirty="0"/>
+              <a:t>avg salary per title per company</a:t>
+            </a:r>
+          </a:p>
+          <a:p>
+            <a:pPr lvl="0" algn="l" rtl="0">
+              <a:spcBef>
+                <a:spcPts val="360"/>
+              </a:spcBef>
+              <a:spcAft>
+                <a:spcPts val="0"/>
+              </a:spcAft>
+              <a:buSzPts val="1800"/>
+              <a:buFont typeface="Arial" panose="020B0604020202020204" pitchFamily="34" charset="0"/>
+              <a:buChar char="•"/>
+            </a:pPr>
+            <a:r>
+              <a:rPr lang="en-US" dirty="0"/>
+              <a:t>calculate the average year of experiences and years at company of 3 chosen companies (Apple, Microsoft, Google)</a:t>
+            </a:r>
+          </a:p>
+          <a:p>
+            <a:pPr lvl="0" algn="l" rtl="0">
+              <a:spcBef>
+                <a:spcPts val="360"/>
+              </a:spcBef>
+              <a:spcAft>
+                <a:spcPts val="0"/>
+              </a:spcAft>
+              <a:buSzPts val="1800"/>
+              <a:buFont typeface="Arial" panose="020B0604020202020204" pitchFamily="34" charset="0"/>
+              <a:buChar char="•"/>
+            </a:pPr>
+            <a:r>
+              <a:rPr lang="en-US" dirty="0"/>
+              <a:t>Calculate the average compensation per gender per company out of 3 chosen companies.</a:t>
+            </a:r>
+          </a:p>
+          <a:p>
+            <a:pPr lvl="0" algn="l" rtl="0">
+              <a:spcBef>
+                <a:spcPts val="360"/>
+              </a:spcBef>
+              <a:spcAft>
+                <a:spcPts val="0"/>
+              </a:spcAft>
+              <a:buSzPts val="1800"/>
+              <a:buFont typeface="Arial" panose="020B0604020202020204" pitchFamily="34" charset="0"/>
+              <a:buChar char="•"/>
+            </a:pPr>
+            <a:r>
+              <a:rPr lang="en-US" dirty="0"/>
+              <a:t>Calculate the avg salary of Business Analyst Title in 3 chosen companies</a:t>
+            </a:r>
+          </a:p>
+          <a:p>
+            <a:pPr lvl="0" algn="l" rtl="0">
+              <a:spcBef>
+                <a:spcPts val="360"/>
+              </a:spcBef>
+              <a:spcAft>
+                <a:spcPts val="0"/>
+              </a:spcAft>
+              <a:buSzPts val="1800"/>
+              <a:buFont typeface="Arial" panose="020B0604020202020204" pitchFamily="34" charset="0"/>
+              <a:buChar char="•"/>
+            </a:pPr>
+            <a:endParaRPr lang="en-US" dirty="0"/>
+          </a:p>
+          <a:p>
+            <a:pPr lvl="0" algn="l" rtl="0">
+              <a:spcBef>
+                <a:spcPts val="360"/>
+              </a:spcBef>
+              <a:spcAft>
+                <a:spcPts val="0"/>
+              </a:spcAft>
+              <a:buSzPts val="1800"/>
+              <a:buFont typeface="Arial" panose="020B0604020202020204" pitchFamily="34" charset="0"/>
+              <a:buChar char="•"/>
+            </a:pPr>
+            <a:endParaRPr lang="en-US" dirty="0"/>
+          </a:p>
+          <a:p>
+            <a:pPr lvl="0" algn="l" rtl="0">
+              <a:spcBef>
+                <a:spcPts val="360"/>
+              </a:spcBef>
+              <a:spcAft>
+                <a:spcPts val="0"/>
+              </a:spcAft>
+              <a:buSzPts val="1800"/>
+              <a:buFont typeface="Arial" panose="020B0604020202020204" pitchFamily="34" charset="0"/>
+              <a:buChar char="•"/>
+            </a:pPr>
+            <a:endParaRPr lang="en-US" dirty="0"/>
+          </a:p>
+          <a:p>
+            <a:pPr lvl="0" algn="l" rtl="0">
+              <a:spcBef>
+                <a:spcPts val="360"/>
+              </a:spcBef>
+              <a:spcAft>
+                <a:spcPts val="0"/>
+              </a:spcAft>
+              <a:buSzPts val="1800"/>
+              <a:buFont typeface="Arial" panose="020B0604020202020204" pitchFamily="34" charset="0"/>
+              <a:buChar char="•"/>
+            </a:pPr>
+            <a:endParaRPr lang="en-US" dirty="0"/>
+          </a:p>
+          <a:p>
+            <a:pPr lvl="0" algn="l" rtl="0">
+              <a:spcBef>
+                <a:spcPts val="360"/>
+              </a:spcBef>
+              <a:spcAft>
+                <a:spcPts val="0"/>
+              </a:spcAft>
+              <a:buSzPts val="1800"/>
+              <a:buFont typeface="Arial" panose="020B0604020202020204" pitchFamily="34" charset="0"/>
+              <a:buChar char="•"/>
+            </a:pPr>
+            <a:endParaRPr lang="en-US" dirty="0"/>
+          </a:p>
+          <a:p>
+            <a:pPr lvl="0" algn="l" rtl="0">
+              <a:spcBef>
+                <a:spcPts val="360"/>
+              </a:spcBef>
+              <a:spcAft>
+                <a:spcPts val="0"/>
+              </a:spcAft>
+              <a:buSzPts val="1800"/>
+              <a:buFont typeface="Arial" panose="020B0604020202020204" pitchFamily="34" charset="0"/>
+              <a:buChar char="•"/>
+            </a:pPr>
+            <a:endParaRPr lang="en-US" dirty="0"/>
+          </a:p>
           <a:p>
             <a:pPr marL="114300" lvl="0" indent="0" algn="l" rtl="0">
               <a:spcBef>
@@ -23863,7 +23847,7 @@
             </a:pPr>
             <a:r>
               <a:rPr lang="en-US" dirty="0"/>
-              <a:t>15 highest paying companies</a:t>
+              <a:t>Working with MySQL</a:t>
             </a:r>
             <a:br>
               <a:rPr lang="fr-FR" dirty="0"/>
@@ -23872,40 +23856,10 @@
           </a:p>
         </p:txBody>
       </p:sp>
-      <p:pic>
-        <p:nvPicPr>
-          <p:cNvPr id="2" name="Image 1">
-            <a:extLst>
-              <a:ext uri="{FF2B5EF4-FFF2-40B4-BE49-F238E27FC236}">
-                <a16:creationId xmlns:a16="http://schemas.microsoft.com/office/drawing/2014/main" id="{CCC98124-E352-47C8-998E-5B0B99F1DE6B}"/>
-              </a:ext>
-            </a:extLst>
-          </p:cNvPr>
-          <p:cNvPicPr>
-            <a:picLocks noChangeAspect="1"/>
-          </p:cNvPicPr>
-          <p:nvPr/>
-        </p:nvPicPr>
-        <p:blipFill>
-          <a:blip r:embed="rId3"/>
-          <a:stretch>
-            <a:fillRect/>
-          </a:stretch>
-        </p:blipFill>
-        <p:spPr>
-          <a:xfrm>
-            <a:off x="794657" y="2536371"/>
-            <a:ext cx="7336972" cy="3665085"/>
-          </a:xfrm>
-          <a:prstGeom prst="rect">
-            <a:avLst/>
-          </a:prstGeom>
-        </p:spPr>
-      </p:pic>
     </p:spTree>
     <p:extLst>
       <p:ext uri="{BB962C8B-B14F-4D97-AF65-F5344CB8AC3E}">
-        <p14:creationId xmlns:p14="http://schemas.microsoft.com/office/powerpoint/2010/main" val="955006779"/>
+        <p14:creationId xmlns:p14="http://schemas.microsoft.com/office/powerpoint/2010/main" val="2691084500"/>
       </p:ext>
     </p:extLst>
   </p:cSld>
@@ -24019,7 +23973,7 @@
             </a:pPr>
             <a:r>
               <a:rPr lang="en-US" dirty="0"/>
-              <a:t>5 best paid titles</a:t>
+              <a:t>15 highest paying companies</a:t>
             </a:r>
             <a:br>
               <a:rPr lang="fr-FR" dirty="0"/>
@@ -24030,10 +23984,10 @@
       </p:sp>
       <p:pic>
         <p:nvPicPr>
-          <p:cNvPr id="3" name="Image 2">
+          <p:cNvPr id="2" name="Image 1">
             <a:extLst>
               <a:ext uri="{FF2B5EF4-FFF2-40B4-BE49-F238E27FC236}">
-                <a16:creationId xmlns:a16="http://schemas.microsoft.com/office/drawing/2014/main" id="{EFC94C28-1194-4FFC-9961-B565493DF5F8}"/>
+                <a16:creationId xmlns:a16="http://schemas.microsoft.com/office/drawing/2014/main" id="{CCC98124-E352-47C8-998E-5B0B99F1DE6B}"/>
               </a:ext>
             </a:extLst>
           </p:cNvPr>
@@ -24050,8 +24004,8 @@
         </p:blipFill>
         <p:spPr>
           <a:xfrm>
-            <a:off x="0" y="2790547"/>
-            <a:ext cx="9022956" cy="1260000"/>
+            <a:off x="794657" y="2536371"/>
+            <a:ext cx="7336972" cy="3665085"/>
           </a:xfrm>
           <a:prstGeom prst="rect">
             <a:avLst/>
@@ -24061,7 +24015,7 @@
     </p:spTree>
     <p:extLst>
       <p:ext uri="{BB962C8B-B14F-4D97-AF65-F5344CB8AC3E}">
-        <p14:creationId xmlns:p14="http://schemas.microsoft.com/office/powerpoint/2010/main" val="712660377"/>
+        <p14:creationId xmlns:p14="http://schemas.microsoft.com/office/powerpoint/2010/main" val="955006779"/>
       </p:ext>
     </p:extLst>
   </p:cSld>

--- a/Module 1/Project_3/Project_3 (1).pptx
+++ b/Module 1/Project_3/Project_3 (1).pptx
@@ -302,7 +302,7 @@
       </p15:notesGuideLst>
     </p:ext>
     <p:ext uri="http://customooxmlschemas.google.com/">
-      <go:slidesCustomData xmlns:go="http://customooxmlschemas.google.com/" xmlns:ahyp="http://schemas.microsoft.com/office/drawing/2018/hyperlinkcolor" xmlns:p15="http://schemas.microsoft.com/office/powerpoint/2012/main" xmlns:p14="http://schemas.microsoft.com/office/powerpoint/2010/main" xmlns:com="http://schemas.openxmlformats.org/drawingml/2006/compatibility" xmlns:pvml="urn:schemas-microsoft-com:office:powerpoint" xmlns:v="urn:schemas-microsoft-com:vml" xmlns:o="urn:schemas-microsoft-com:office:office" xmlns:dgm="http://schemas.openxmlformats.org/drawingml/2006/diagram" xmlns:c="http://schemas.openxmlformats.org/drawingml/2006/chart" xmlns:mv="urn:schemas-microsoft-com:mac:vml" xmlns:mc="http://schemas.openxmlformats.org/markup-compatibility/2006" xmlns="" r:id="rId27" roundtripDataSignature="AMtx7mjWBP9f6unG6JyfCNW1QE/TR9xEGw=="/>
+      <go:slidesCustomData xmlns="" xmlns:mc="http://schemas.openxmlformats.org/markup-compatibility/2006" xmlns:mv="urn:schemas-microsoft-com:mac:vml" xmlns:c="http://schemas.openxmlformats.org/drawingml/2006/chart" xmlns:dgm="http://schemas.openxmlformats.org/drawingml/2006/diagram" xmlns:o="urn:schemas-microsoft-com:office:office" xmlns:v="urn:schemas-microsoft-com:vml" xmlns:pvml="urn:schemas-microsoft-com:office:powerpoint" xmlns:com="http://schemas.openxmlformats.org/drawingml/2006/compatibility" xmlns:p14="http://schemas.microsoft.com/office/powerpoint/2010/main" xmlns:p15="http://schemas.microsoft.com/office/powerpoint/2012/main" xmlns:ahyp="http://schemas.microsoft.com/office/drawing/2018/hyperlinkcolor" xmlns:go="http://customooxmlschemas.google.com/" r:id="rId27" roundtripDataSignature="AMtx7mjWBP9f6unG6JyfCNW1QE/TR9xEGw=="/>
     </p:ext>
   </p:extLst>
 </p:presentation>
@@ -23533,10 +23533,10 @@
       </p:sp>
       <p:pic>
         <p:nvPicPr>
-          <p:cNvPr id="5" name="Image 4">
+          <p:cNvPr id="6" name="Image 5">
             <a:extLst>
               <a:ext uri="{FF2B5EF4-FFF2-40B4-BE49-F238E27FC236}">
-                <a16:creationId xmlns:a16="http://schemas.microsoft.com/office/drawing/2014/main" id="{4C394CEE-56EB-43FF-B1EB-C9E4A191E6E1}"/>
+                <a16:creationId xmlns:a16="http://schemas.microsoft.com/office/drawing/2014/main" id="{A9411C29-B2B6-41F7-A106-9BFF41B3CF33}"/>
               </a:ext>
             </a:extLst>
           </p:cNvPr>
@@ -23553,8 +23553,8 @@
         </p:blipFill>
         <p:spPr>
           <a:xfrm>
-            <a:off x="1574277" y="2675467"/>
-            <a:ext cx="5467546" cy="3844205"/>
+            <a:off x="1640263" y="2583234"/>
+            <a:ext cx="4458879" cy="3524729"/>
           </a:xfrm>
           <a:prstGeom prst="rect">
             <a:avLst/>

--- a/Module 1/Project_3/Project_3 (1).pptx
+++ b/Module 1/Project_3/Project_3 (1).pptx
@@ -21257,8 +21257,12 @@
           <a:lstStyle/>
           <a:p>
             <a:r>
+              <a:rPr lang="fr-FR"/>
+              <a:t>10 </a:t>
+            </a:r>
+            <a:r>
               <a:rPr lang="fr-FR" dirty="0"/>
-              <a:t>20 top Total </a:t>
+              <a:t>top Total </a:t>
             </a:r>
             <a:r>
               <a:rPr lang="fr-FR" dirty="0" err="1"/>
